--- a/IdeaExplanation.pptx
+++ b/IdeaExplanation.pptx
@@ -113,6 +113,11 @@
       </a:defRPr>
     </a:lvl9pPr>
   </p:defaultTextStyle>
+  <p:extLst>
+    <p:ext uri="{EFAFB233-063F-42B5-8137-9DF3F51BA10A}">
+      <p15:sldGuideLst xmlns:p15="http://schemas.microsoft.com/office/powerpoint/2012/main"/>
+    </p:ext>
+  </p:extLst>
 </p:presentation>
 </file>
 
@@ -289,7 +294,7 @@
           <a:p>
             <a:fld id="{5088DD7A-9492-47C6-B784-A4F4CDC35AF3}" type="datetimeFigureOut">
               <a:rPr lang="en-US" smtClean="0"/>
-              <a:t>9/16/2019</a:t>
+              <a:t>9/17/19</a:t>
             </a:fld>
             <a:endParaRPr lang="en-US"/>
           </a:p>
@@ -487,7 +492,7 @@
           <a:p>
             <a:fld id="{5088DD7A-9492-47C6-B784-A4F4CDC35AF3}" type="datetimeFigureOut">
               <a:rPr lang="en-US" smtClean="0"/>
-              <a:t>9/16/2019</a:t>
+              <a:t>9/17/19</a:t>
             </a:fld>
             <a:endParaRPr lang="en-US"/>
           </a:p>
@@ -695,7 +700,7 @@
           <a:p>
             <a:fld id="{5088DD7A-9492-47C6-B784-A4F4CDC35AF3}" type="datetimeFigureOut">
               <a:rPr lang="en-US" smtClean="0"/>
-              <a:t>9/16/2019</a:t>
+              <a:t>9/17/19</a:t>
             </a:fld>
             <a:endParaRPr lang="en-US"/>
           </a:p>
@@ -893,7 +898,7 @@
           <a:p>
             <a:fld id="{5088DD7A-9492-47C6-B784-A4F4CDC35AF3}" type="datetimeFigureOut">
               <a:rPr lang="en-US" smtClean="0"/>
-              <a:t>9/16/2019</a:t>
+              <a:t>9/17/19</a:t>
             </a:fld>
             <a:endParaRPr lang="en-US"/>
           </a:p>
@@ -1168,7 +1173,7 @@
           <a:p>
             <a:fld id="{5088DD7A-9492-47C6-B784-A4F4CDC35AF3}" type="datetimeFigureOut">
               <a:rPr lang="en-US" smtClean="0"/>
-              <a:t>9/16/2019</a:t>
+              <a:t>9/17/19</a:t>
             </a:fld>
             <a:endParaRPr lang="en-US"/>
           </a:p>
@@ -1433,7 +1438,7 @@
           <a:p>
             <a:fld id="{5088DD7A-9492-47C6-B784-A4F4CDC35AF3}" type="datetimeFigureOut">
               <a:rPr lang="en-US" smtClean="0"/>
-              <a:t>9/16/2019</a:t>
+              <a:t>9/17/19</a:t>
             </a:fld>
             <a:endParaRPr lang="en-US"/>
           </a:p>
@@ -1845,7 +1850,7 @@
           <a:p>
             <a:fld id="{5088DD7A-9492-47C6-B784-A4F4CDC35AF3}" type="datetimeFigureOut">
               <a:rPr lang="en-US" smtClean="0"/>
-              <a:t>9/16/2019</a:t>
+              <a:t>9/17/19</a:t>
             </a:fld>
             <a:endParaRPr lang="en-US"/>
           </a:p>
@@ -1986,7 +1991,7 @@
           <a:p>
             <a:fld id="{5088DD7A-9492-47C6-B784-A4F4CDC35AF3}" type="datetimeFigureOut">
               <a:rPr lang="en-US" smtClean="0"/>
-              <a:t>9/16/2019</a:t>
+              <a:t>9/17/19</a:t>
             </a:fld>
             <a:endParaRPr lang="en-US"/>
           </a:p>
@@ -2099,7 +2104,7 @@
           <a:p>
             <a:fld id="{5088DD7A-9492-47C6-B784-A4F4CDC35AF3}" type="datetimeFigureOut">
               <a:rPr lang="en-US" smtClean="0"/>
-              <a:t>9/16/2019</a:t>
+              <a:t>9/17/19</a:t>
             </a:fld>
             <a:endParaRPr lang="en-US"/>
           </a:p>
@@ -2410,7 +2415,7 @@
           <a:p>
             <a:fld id="{5088DD7A-9492-47C6-B784-A4F4CDC35AF3}" type="datetimeFigureOut">
               <a:rPr lang="en-US" smtClean="0"/>
-              <a:t>9/16/2019</a:t>
+              <a:t>9/17/19</a:t>
             </a:fld>
             <a:endParaRPr lang="en-US"/>
           </a:p>
@@ -2698,7 +2703,7 @@
           <a:p>
             <a:fld id="{5088DD7A-9492-47C6-B784-A4F4CDC35AF3}" type="datetimeFigureOut">
               <a:rPr lang="en-US" smtClean="0"/>
-              <a:t>9/16/2019</a:t>
+              <a:t>9/17/19</a:t>
             </a:fld>
             <a:endParaRPr lang="en-US"/>
           </a:p>
@@ -2939,7 +2944,7 @@
           <a:p>
             <a:fld id="{5088DD7A-9492-47C6-B784-A4F4CDC35AF3}" type="datetimeFigureOut">
               <a:rPr lang="en-US" smtClean="0"/>
-              <a:t>9/16/2019</a:t>
+              <a:t>9/17/19</a:t>
             </a:fld>
             <a:endParaRPr lang="en-US"/>
           </a:p>
@@ -4326,7 +4331,7 @@
                 </a:solidFill>
                 <a:latin typeface="Calibri" panose="020F0502020204030204" pitchFamily="34" charset="0"/>
               </a:rPr>
-              <a:t>High School Graduate</a:t>
+              <a:t>Bachelor’s or higher</a:t>
             </a:r>
           </a:p>
           <a:p>
@@ -4606,7 +4611,7 @@
                 </a:solidFill>
                 <a:latin typeface="Calibri" panose="020F0502020204030204" pitchFamily="34" charset="0"/>
               </a:rPr>
-              <a:t>High School Graduate</a:t>
+              <a:t>Bachelor’s or higher</a:t>
             </a:r>
           </a:p>
           <a:p>
